--- a/勉強会2.pptx
+++ b/勉強会2.pptx
@@ -10,6 +10,15 @@
     <p:sldId id="259" r:id="rId4"/>
     <p:sldId id="260" r:id="rId5"/>
     <p:sldId id="261" r:id="rId6"/>
+    <p:sldId id="262" r:id="rId7"/>
+    <p:sldId id="263" r:id="rId8"/>
+    <p:sldId id="264" r:id="rId9"/>
+    <p:sldId id="265" r:id="rId10"/>
+    <p:sldId id="266" r:id="rId11"/>
+    <p:sldId id="267" r:id="rId12"/>
+    <p:sldId id="268" r:id="rId13"/>
+    <p:sldId id="269" r:id="rId14"/>
+    <p:sldId id="270" r:id="rId15"/>
   </p:sldIdLst>
   <p:sldSz cx="12192000" cy="6858000"/>
   <p:notesSz cx="6858000" cy="9144000"/>
@@ -3414,6 +3423,897 @@
 </p:sld>
 </file>
 
+<file path=ppt/slides/slide10.xml><?xml version="1.0" encoding="utf-8"?>
+<p:sld xmlns:a="http://schemas.openxmlformats.org/drawingml/2006/main" xmlns:r="http://schemas.openxmlformats.org/officeDocument/2006/relationships" xmlns:p="http://schemas.openxmlformats.org/presentationml/2006/main">
+  <p:cSld>
+    <p:spTree>
+      <p:nvGrpSpPr>
+        <p:cNvPr id="1" name=""/>
+        <p:cNvGrpSpPr/>
+        <p:nvPr/>
+      </p:nvGrpSpPr>
+      <p:grpSpPr>
+        <a:xfrm>
+          <a:off x="0" y="0"/>
+          <a:ext cx="0" cy="0"/>
+          <a:chOff x="0" y="0"/>
+          <a:chExt cx="0" cy="0"/>
+        </a:xfrm>
+      </p:grpSpPr>
+      <p:sp>
+        <p:nvSpPr>
+          <p:cNvPr id="2" name="Title 1">
+            <a:extLst>
+              <a:ext uri="{FF2B5EF4-FFF2-40B4-BE49-F238E27FC236}">
+                <a16:creationId xmlns:a16="http://schemas.microsoft.com/office/drawing/2014/main" id="{261C70A3-36C0-5FB1-4604-9FED1B45E15D}"/>
+              </a:ext>
+            </a:extLst>
+          </p:cNvPr>
+          <p:cNvSpPr>
+            <a:spLocks noGrp="1"/>
+          </p:cNvSpPr>
+          <p:nvPr>
+            <p:ph type="title"/>
+          </p:nvPr>
+        </p:nvSpPr>
+        <p:spPr/>
+        <p:txBody>
+          <a:bodyPr/>
+          <a:lstStyle/>
+          <a:p>
+            <a:endParaRPr kumimoji="1" lang="ja-JP" altLang="en-US"/>
+          </a:p>
+        </p:txBody>
+      </p:sp>
+      <p:sp>
+        <p:nvSpPr>
+          <p:cNvPr id="3" name="Content Placeholder 2">
+            <a:extLst>
+              <a:ext uri="{FF2B5EF4-FFF2-40B4-BE49-F238E27FC236}">
+                <a16:creationId xmlns:a16="http://schemas.microsoft.com/office/drawing/2014/main" id="{8BDD1387-F222-5A3B-0C5B-6A0523BD228C}"/>
+              </a:ext>
+            </a:extLst>
+          </p:cNvPr>
+          <p:cNvSpPr>
+            <a:spLocks noGrp="1"/>
+          </p:cNvSpPr>
+          <p:nvPr>
+            <p:ph idx="1"/>
+          </p:nvPr>
+        </p:nvSpPr>
+        <p:spPr/>
+        <p:txBody>
+          <a:bodyPr/>
+          <a:lstStyle/>
+          <a:p>
+            <a:r>
+              <a:rPr kumimoji="1" lang="ja-JP" altLang="en-US" dirty="0"/>
+              <a:t>なぜ</a:t>
+            </a:r>
+            <a:r>
+              <a:rPr kumimoji="1" lang="en-US" altLang="ja-JP" dirty="0"/>
+              <a:t>string</a:t>
+            </a:r>
+            <a:r>
+              <a:rPr kumimoji="1" lang="ja-JP" altLang="en-US" dirty="0"/>
+              <a:t>になるのか？</a:t>
+            </a:r>
+          </a:p>
+        </p:txBody>
+      </p:sp>
+      <p:pic>
+        <p:nvPicPr>
+          <p:cNvPr id="5" name="Picture 4">
+            <a:extLst>
+              <a:ext uri="{FF2B5EF4-FFF2-40B4-BE49-F238E27FC236}">
+                <a16:creationId xmlns:a16="http://schemas.microsoft.com/office/drawing/2014/main" id="{5A594C84-61F5-B94E-A503-AF6130CDA91D}"/>
+              </a:ext>
+            </a:extLst>
+          </p:cNvPr>
+          <p:cNvPicPr>
+            <a:picLocks noChangeAspect="1"/>
+          </p:cNvPicPr>
+          <p:nvPr/>
+        </p:nvPicPr>
+        <p:blipFill>
+          <a:blip r:embed="rId2"/>
+          <a:stretch>
+            <a:fillRect/>
+          </a:stretch>
+        </p:blipFill>
+        <p:spPr>
+          <a:xfrm>
+            <a:off x="5269374" y="1853553"/>
+            <a:ext cx="5696745" cy="4639322"/>
+          </a:xfrm>
+          <a:prstGeom prst="rect">
+            <a:avLst/>
+          </a:prstGeom>
+        </p:spPr>
+      </p:pic>
+    </p:spTree>
+    <p:extLst>
+      <p:ext uri="{BB962C8B-B14F-4D97-AF65-F5344CB8AC3E}">
+        <p14:creationId xmlns:p14="http://schemas.microsoft.com/office/powerpoint/2010/main" val="140237277"/>
+      </p:ext>
+    </p:extLst>
+  </p:cSld>
+  <p:clrMapOvr>
+    <a:masterClrMapping/>
+  </p:clrMapOvr>
+</p:sld>
+</file>
+
+<file path=ppt/slides/slide11.xml><?xml version="1.0" encoding="utf-8"?>
+<p:sld xmlns:a="http://schemas.openxmlformats.org/drawingml/2006/main" xmlns:r="http://schemas.openxmlformats.org/officeDocument/2006/relationships" xmlns:p="http://schemas.openxmlformats.org/presentationml/2006/main">
+  <p:cSld>
+    <p:spTree>
+      <p:nvGrpSpPr>
+        <p:cNvPr id="1" name=""/>
+        <p:cNvGrpSpPr/>
+        <p:nvPr/>
+      </p:nvGrpSpPr>
+      <p:grpSpPr>
+        <a:xfrm>
+          <a:off x="0" y="0"/>
+          <a:ext cx="0" cy="0"/>
+          <a:chOff x="0" y="0"/>
+          <a:chExt cx="0" cy="0"/>
+        </a:xfrm>
+      </p:grpSpPr>
+      <p:sp>
+        <p:nvSpPr>
+          <p:cNvPr id="2" name="Title 1">
+            <a:extLst>
+              <a:ext uri="{FF2B5EF4-FFF2-40B4-BE49-F238E27FC236}">
+                <a16:creationId xmlns:a16="http://schemas.microsoft.com/office/drawing/2014/main" id="{468CE916-839D-BCB2-C361-08BEAFA43097}"/>
+              </a:ext>
+            </a:extLst>
+          </p:cNvPr>
+          <p:cNvSpPr>
+            <a:spLocks noGrp="1"/>
+          </p:cNvSpPr>
+          <p:nvPr>
+            <p:ph type="title"/>
+          </p:nvPr>
+        </p:nvSpPr>
+        <p:spPr/>
+        <p:txBody>
+          <a:bodyPr/>
+          <a:lstStyle/>
+          <a:p>
+            <a:endParaRPr kumimoji="1" lang="ja-JP" altLang="en-US"/>
+          </a:p>
+        </p:txBody>
+      </p:sp>
+      <p:sp>
+        <p:nvSpPr>
+          <p:cNvPr id="3" name="Content Placeholder 2">
+            <a:extLst>
+              <a:ext uri="{FF2B5EF4-FFF2-40B4-BE49-F238E27FC236}">
+                <a16:creationId xmlns:a16="http://schemas.microsoft.com/office/drawing/2014/main" id="{73969B38-2B48-FB8B-AFBE-1A8494F14D0E}"/>
+              </a:ext>
+            </a:extLst>
+          </p:cNvPr>
+          <p:cNvSpPr>
+            <a:spLocks noGrp="1"/>
+          </p:cNvSpPr>
+          <p:nvPr>
+            <p:ph idx="1"/>
+          </p:nvPr>
+        </p:nvSpPr>
+        <p:spPr/>
+        <p:txBody>
+          <a:bodyPr/>
+          <a:lstStyle/>
+          <a:p>
+            <a:r>
+              <a:rPr kumimoji="1" lang="ja-JP" altLang="en-US" dirty="0"/>
+              <a:t>シンプルに解決したい場合は</a:t>
+            </a:r>
+            <a:r>
+              <a:rPr lang="en-US" altLang="ja-JP" dirty="0" err="1"/>
+              <a:t>O</a:t>
+            </a:r>
+            <a:r>
+              <a:rPr kumimoji="1" lang="en-US" altLang="ja-JP" dirty="0" err="1"/>
+              <a:t>bject.enties</a:t>
+            </a:r>
+            <a:r>
+              <a:rPr kumimoji="1" lang="ja-JP" altLang="en-US" dirty="0"/>
+              <a:t>を使えば</a:t>
+            </a:r>
+            <a:r>
+              <a:rPr kumimoji="1" lang="en-US" altLang="ja-JP" dirty="0"/>
+              <a:t>OK</a:t>
+            </a:r>
+          </a:p>
+          <a:p>
+            <a:endParaRPr lang="en-US" altLang="ja-JP" dirty="0"/>
+          </a:p>
+          <a:p>
+            <a:endParaRPr kumimoji="1" lang="en-US" altLang="ja-JP" dirty="0"/>
+          </a:p>
+          <a:p>
+            <a:endParaRPr lang="en-US" altLang="ja-JP" dirty="0"/>
+          </a:p>
+          <a:p>
+            <a:r>
+              <a:rPr kumimoji="1" lang="ja-JP" altLang="en-US" dirty="0"/>
+              <a:t>ちゃんと型推論したい場合は</a:t>
+            </a:r>
+            <a:r>
+              <a:rPr kumimoji="1" lang="en-US" altLang="ja-JP" dirty="0" err="1"/>
+              <a:t>keyof</a:t>
+            </a:r>
+            <a:r>
+              <a:rPr kumimoji="1" lang="ja-JP" altLang="en-US" dirty="0"/>
+              <a:t>を使う</a:t>
+            </a:r>
+          </a:p>
+        </p:txBody>
+      </p:sp>
+      <p:pic>
+        <p:nvPicPr>
+          <p:cNvPr id="5" name="Picture 4">
+            <a:extLst>
+              <a:ext uri="{FF2B5EF4-FFF2-40B4-BE49-F238E27FC236}">
+                <a16:creationId xmlns:a16="http://schemas.microsoft.com/office/drawing/2014/main" id="{15BE6B0F-93A9-B3F2-387F-27CB63C12A86}"/>
+              </a:ext>
+            </a:extLst>
+          </p:cNvPr>
+          <p:cNvPicPr>
+            <a:picLocks noChangeAspect="1"/>
+          </p:cNvPicPr>
+          <p:nvPr/>
+        </p:nvPicPr>
+        <p:blipFill>
+          <a:blip r:embed="rId2"/>
+          <a:stretch>
+            <a:fillRect/>
+          </a:stretch>
+        </p:blipFill>
+        <p:spPr>
+          <a:xfrm>
+            <a:off x="5914248" y="2403919"/>
+            <a:ext cx="4239217" cy="1362265"/>
+          </a:xfrm>
+          <a:prstGeom prst="rect">
+            <a:avLst/>
+          </a:prstGeom>
+        </p:spPr>
+      </p:pic>
+      <p:pic>
+        <p:nvPicPr>
+          <p:cNvPr id="7" name="Picture 6">
+            <a:extLst>
+              <a:ext uri="{FF2B5EF4-FFF2-40B4-BE49-F238E27FC236}">
+                <a16:creationId xmlns:a16="http://schemas.microsoft.com/office/drawing/2014/main" id="{1B1D480B-ECAC-8A52-9582-779032FD1615}"/>
+              </a:ext>
+            </a:extLst>
+          </p:cNvPr>
+          <p:cNvPicPr>
+            <a:picLocks noChangeAspect="1"/>
+          </p:cNvPicPr>
+          <p:nvPr/>
+        </p:nvPicPr>
+        <p:blipFill>
+          <a:blip r:embed="rId3"/>
+          <a:stretch>
+            <a:fillRect/>
+          </a:stretch>
+        </p:blipFill>
+        <p:spPr>
+          <a:xfrm>
+            <a:off x="5666564" y="4575744"/>
+            <a:ext cx="4486901" cy="1448002"/>
+          </a:xfrm>
+          <a:prstGeom prst="rect">
+            <a:avLst/>
+          </a:prstGeom>
+        </p:spPr>
+      </p:pic>
+    </p:spTree>
+    <p:extLst>
+      <p:ext uri="{BB962C8B-B14F-4D97-AF65-F5344CB8AC3E}">
+        <p14:creationId xmlns:p14="http://schemas.microsoft.com/office/powerpoint/2010/main" val="2362196618"/>
+      </p:ext>
+    </p:extLst>
+  </p:cSld>
+  <p:clrMapOvr>
+    <a:masterClrMapping/>
+  </p:clrMapOvr>
+</p:sld>
+</file>
+
+<file path=ppt/slides/slide12.xml><?xml version="1.0" encoding="utf-8"?>
+<p:sld xmlns:a="http://schemas.openxmlformats.org/drawingml/2006/main" xmlns:r="http://schemas.openxmlformats.org/officeDocument/2006/relationships" xmlns:p="http://schemas.openxmlformats.org/presentationml/2006/main">
+  <p:cSld>
+    <p:spTree>
+      <p:nvGrpSpPr>
+        <p:cNvPr id="1" name=""/>
+        <p:cNvGrpSpPr/>
+        <p:nvPr/>
+      </p:nvGrpSpPr>
+      <p:grpSpPr>
+        <a:xfrm>
+          <a:off x="0" y="0"/>
+          <a:ext cx="0" cy="0"/>
+          <a:chOff x="0" y="0"/>
+          <a:chExt cx="0" cy="0"/>
+        </a:xfrm>
+      </p:grpSpPr>
+      <p:sp>
+        <p:nvSpPr>
+          <p:cNvPr id="2" name="Title 1">
+            <a:extLst>
+              <a:ext uri="{FF2B5EF4-FFF2-40B4-BE49-F238E27FC236}">
+                <a16:creationId xmlns:a16="http://schemas.microsoft.com/office/drawing/2014/main" id="{AD2CF527-58A7-5A1A-30B8-B0D3D553B2D8}"/>
+              </a:ext>
+            </a:extLst>
+          </p:cNvPr>
+          <p:cNvSpPr>
+            <a:spLocks noGrp="1"/>
+          </p:cNvSpPr>
+          <p:nvPr>
+            <p:ph type="title"/>
+          </p:nvPr>
+        </p:nvSpPr>
+        <p:spPr/>
+        <p:txBody>
+          <a:bodyPr/>
+          <a:lstStyle/>
+          <a:p>
+            <a:r>
+              <a:rPr kumimoji="1" lang="en-US" altLang="ja-JP" dirty="0"/>
+              <a:t>Item 55: Understand the DOM hierarchy</a:t>
+            </a:r>
+            <a:endParaRPr kumimoji="1" lang="ja-JP" altLang="en-US" dirty="0"/>
+          </a:p>
+        </p:txBody>
+      </p:sp>
+      <p:sp>
+        <p:nvSpPr>
+          <p:cNvPr id="3" name="Content Placeholder 2">
+            <a:extLst>
+              <a:ext uri="{FF2B5EF4-FFF2-40B4-BE49-F238E27FC236}">
+                <a16:creationId xmlns:a16="http://schemas.microsoft.com/office/drawing/2014/main" id="{55578C68-7539-5BE3-C6CB-2CD126ED7CB7}"/>
+              </a:ext>
+            </a:extLst>
+          </p:cNvPr>
+          <p:cNvSpPr>
+            <a:spLocks noGrp="1"/>
+          </p:cNvSpPr>
+          <p:nvPr>
+            <p:ph idx="1"/>
+          </p:nvPr>
+        </p:nvSpPr>
+        <p:spPr/>
+        <p:txBody>
+          <a:bodyPr/>
+          <a:lstStyle/>
+          <a:p>
+            <a:r>
+              <a:rPr kumimoji="1" lang="en-US" altLang="ja-JP" dirty="0"/>
+              <a:t>DOM</a:t>
+            </a:r>
+            <a:r>
+              <a:rPr kumimoji="1" lang="ja-JP" altLang="en-US" dirty="0"/>
+              <a:t>のことを理解しておくと役立つよ。ということ</a:t>
+            </a:r>
+          </a:p>
+        </p:txBody>
+      </p:sp>
+      <p:pic>
+        <p:nvPicPr>
+          <p:cNvPr id="7" name="Picture 6">
+            <a:extLst>
+              <a:ext uri="{FF2B5EF4-FFF2-40B4-BE49-F238E27FC236}">
+                <a16:creationId xmlns:a16="http://schemas.microsoft.com/office/drawing/2014/main" id="{F9B61A91-E195-6F6F-81C2-A788370E7DE7}"/>
+              </a:ext>
+            </a:extLst>
+          </p:cNvPr>
+          <p:cNvPicPr>
+            <a:picLocks noChangeAspect="1"/>
+          </p:cNvPicPr>
+          <p:nvPr/>
+        </p:nvPicPr>
+        <p:blipFill>
+          <a:blip r:embed="rId2"/>
+          <a:stretch>
+            <a:fillRect/>
+          </a:stretch>
+        </p:blipFill>
+        <p:spPr>
+          <a:xfrm>
+            <a:off x="2288289" y="2399874"/>
+            <a:ext cx="7677011" cy="3777089"/>
+          </a:xfrm>
+          <a:prstGeom prst="rect">
+            <a:avLst/>
+          </a:prstGeom>
+        </p:spPr>
+      </p:pic>
+    </p:spTree>
+    <p:extLst>
+      <p:ext uri="{BB962C8B-B14F-4D97-AF65-F5344CB8AC3E}">
+        <p14:creationId xmlns:p14="http://schemas.microsoft.com/office/powerpoint/2010/main" val="2543765011"/>
+      </p:ext>
+    </p:extLst>
+  </p:cSld>
+  <p:clrMapOvr>
+    <a:masterClrMapping/>
+  </p:clrMapOvr>
+</p:sld>
+</file>
+
+<file path=ppt/slides/slide13.xml><?xml version="1.0" encoding="utf-8"?>
+<p:sld xmlns:a="http://schemas.openxmlformats.org/drawingml/2006/main" xmlns:r="http://schemas.openxmlformats.org/officeDocument/2006/relationships" xmlns:p="http://schemas.openxmlformats.org/presentationml/2006/main">
+  <p:cSld>
+    <p:spTree>
+      <p:nvGrpSpPr>
+        <p:cNvPr id="1" name=""/>
+        <p:cNvGrpSpPr/>
+        <p:nvPr/>
+      </p:nvGrpSpPr>
+      <p:grpSpPr>
+        <a:xfrm>
+          <a:off x="0" y="0"/>
+          <a:ext cx="0" cy="0"/>
+          <a:chOff x="0" y="0"/>
+          <a:chExt cx="0" cy="0"/>
+        </a:xfrm>
+      </p:grpSpPr>
+      <p:sp>
+        <p:nvSpPr>
+          <p:cNvPr id="2" name="Title 1">
+            <a:extLst>
+              <a:ext uri="{FF2B5EF4-FFF2-40B4-BE49-F238E27FC236}">
+                <a16:creationId xmlns:a16="http://schemas.microsoft.com/office/drawing/2014/main" id="{6D66C10A-C7F4-CE69-C28A-9DC7A93C4368}"/>
+              </a:ext>
+            </a:extLst>
+          </p:cNvPr>
+          <p:cNvSpPr>
+            <a:spLocks noGrp="1"/>
+          </p:cNvSpPr>
+          <p:nvPr>
+            <p:ph type="title"/>
+          </p:nvPr>
+        </p:nvSpPr>
+        <p:spPr/>
+        <p:txBody>
+          <a:bodyPr/>
+          <a:lstStyle/>
+          <a:p>
+            <a:endParaRPr kumimoji="1" lang="ja-JP" altLang="en-US"/>
+          </a:p>
+        </p:txBody>
+      </p:sp>
+      <p:pic>
+        <p:nvPicPr>
+          <p:cNvPr id="7" name="Picture 6">
+            <a:extLst>
+              <a:ext uri="{FF2B5EF4-FFF2-40B4-BE49-F238E27FC236}">
+                <a16:creationId xmlns:a16="http://schemas.microsoft.com/office/drawing/2014/main" id="{049318C5-0680-16C4-2B39-626E795E4BF5}"/>
+              </a:ext>
+            </a:extLst>
+          </p:cNvPr>
+          <p:cNvPicPr>
+            <a:picLocks noChangeAspect="1"/>
+          </p:cNvPicPr>
+          <p:nvPr/>
+        </p:nvPicPr>
+        <p:blipFill>
+          <a:blip r:embed="rId2"/>
+          <a:stretch>
+            <a:fillRect/>
+          </a:stretch>
+        </p:blipFill>
+        <p:spPr>
+          <a:xfrm>
+            <a:off x="6342834" y="2014721"/>
+            <a:ext cx="5849166" cy="4467849"/>
+          </a:xfrm>
+          <a:prstGeom prst="rect">
+            <a:avLst/>
+          </a:prstGeom>
+        </p:spPr>
+      </p:pic>
+      <p:sp>
+        <p:nvSpPr>
+          <p:cNvPr id="8" name="TextBox 7">
+            <a:extLst>
+              <a:ext uri="{FF2B5EF4-FFF2-40B4-BE49-F238E27FC236}">
+                <a16:creationId xmlns:a16="http://schemas.microsoft.com/office/drawing/2014/main" id="{A7C54706-DAFB-8F15-F782-FB4606F18B3D}"/>
+              </a:ext>
+            </a:extLst>
+          </p:cNvPr>
+          <p:cNvSpPr txBox="1"/>
+          <p:nvPr/>
+        </p:nvSpPr>
+        <p:spPr>
+          <a:xfrm>
+            <a:off x="100669" y="1963024"/>
+            <a:ext cx="6574236" cy="3416320"/>
+          </a:xfrm>
+          <a:prstGeom prst="rect">
+            <a:avLst/>
+          </a:prstGeom>
+          <a:noFill/>
+        </p:spPr>
+        <p:txBody>
+          <a:bodyPr wrap="none" rtlCol="0">
+            <a:spAutoFit/>
+          </a:bodyPr>
+          <a:lstStyle/>
+          <a:p>
+            <a:r>
+              <a:rPr kumimoji="1" lang="ja-JP" altLang="en-US" dirty="0"/>
+              <a:t>１．</a:t>
+            </a:r>
+            <a:r>
+              <a:rPr kumimoji="1" lang="en-US" altLang="ja-JP" dirty="0"/>
+              <a:t>DOM</a:t>
+            </a:r>
+            <a:r>
+              <a:rPr kumimoji="1" lang="ja-JP" altLang="en-US" dirty="0"/>
+              <a:t>の</a:t>
+            </a:r>
+            <a:r>
+              <a:rPr kumimoji="1" lang="en-US" altLang="ja-JP" dirty="0"/>
+              <a:t>API</a:t>
+            </a:r>
+            <a:r>
+              <a:rPr kumimoji="1" lang="ja-JP" altLang="en-US" dirty="0"/>
+              <a:t>の戻り値は</a:t>
+            </a:r>
+            <a:r>
+              <a:rPr lang="ja-JP" altLang="en-US" dirty="0"/>
+              <a:t>基本</a:t>
+            </a:r>
+            <a:r>
+              <a:rPr lang="en-US" altLang="ja-JP" dirty="0"/>
+              <a:t>null</a:t>
+            </a:r>
+            <a:r>
+              <a:rPr lang="ja-JP" altLang="en-US" dirty="0"/>
+              <a:t>になる可能性があるので、</a:t>
+            </a:r>
+            <a:endParaRPr lang="en-US" altLang="ja-JP" dirty="0"/>
+          </a:p>
+          <a:p>
+            <a:r>
+              <a:rPr lang="ja-JP" altLang="en-US" dirty="0"/>
+              <a:t>　　きちんと</a:t>
+            </a:r>
+            <a:r>
+              <a:rPr lang="en-US" altLang="ja-JP" dirty="0"/>
+              <a:t>null</a:t>
+            </a:r>
+            <a:r>
+              <a:rPr lang="ja-JP" altLang="en-US" dirty="0"/>
+              <a:t>のハンドリングを行う。</a:t>
+            </a:r>
+            <a:endParaRPr lang="en-US" altLang="ja-JP" dirty="0"/>
+          </a:p>
+          <a:p>
+            <a:r>
+              <a:rPr lang="ja-JP" altLang="en-US" dirty="0"/>
+              <a:t>　例）</a:t>
+            </a:r>
+            <a:r>
+              <a:rPr lang="en-US" altLang="ja-JP" dirty="0" err="1"/>
+              <a:t>document.getElementById</a:t>
+            </a:r>
+            <a:r>
+              <a:rPr lang="en-US" altLang="ja-JP" dirty="0"/>
+              <a:t>(‘</a:t>
+            </a:r>
+            <a:r>
+              <a:rPr lang="ja-JP" altLang="en-US" dirty="0"/>
+              <a:t>存在しない</a:t>
+            </a:r>
+            <a:r>
+              <a:rPr lang="en-US" altLang="ja-JP" dirty="0"/>
+              <a:t>id’)</a:t>
+            </a:r>
+          </a:p>
+          <a:p>
+            <a:r>
+              <a:rPr lang="ja-JP" altLang="en-US" dirty="0"/>
+              <a:t>　　　とかってやると当然</a:t>
+            </a:r>
+            <a:r>
+              <a:rPr lang="en-US" altLang="ja-JP" dirty="0"/>
+              <a:t>null</a:t>
+            </a:r>
+            <a:r>
+              <a:rPr lang="ja-JP" altLang="en-US" dirty="0"/>
+              <a:t>だよね</a:t>
+            </a:r>
+            <a:endParaRPr lang="en-US" altLang="ja-JP" dirty="0"/>
+          </a:p>
+          <a:p>
+            <a:endParaRPr kumimoji="1" lang="en-US" altLang="ja-JP" dirty="0"/>
+          </a:p>
+          <a:p>
+            <a:r>
+              <a:rPr lang="ja-JP" altLang="en-US" dirty="0"/>
+              <a:t>２．</a:t>
+            </a:r>
+            <a:r>
+              <a:rPr lang="en-US" altLang="ja-JP" dirty="0"/>
+              <a:t>DOM</a:t>
+            </a:r>
+            <a:r>
+              <a:rPr lang="ja-JP" altLang="en-US" dirty="0"/>
+              <a:t>の</a:t>
+            </a:r>
+            <a:r>
+              <a:rPr lang="en-US" altLang="ja-JP" dirty="0"/>
+              <a:t>Element</a:t>
+            </a:r>
+            <a:r>
+              <a:rPr lang="ja-JP" altLang="en-US" dirty="0"/>
+              <a:t>にはいろいろ種類がある</a:t>
+            </a:r>
+            <a:endParaRPr lang="en-US" altLang="ja-JP" dirty="0"/>
+          </a:p>
+          <a:p>
+            <a:r>
+              <a:rPr kumimoji="1" lang="ja-JP" altLang="en-US" dirty="0"/>
+              <a:t>　　</a:t>
+            </a:r>
+            <a:r>
+              <a:rPr kumimoji="1" lang="en-US" altLang="ja-JP" dirty="0" err="1"/>
+              <a:t>eDown.currentTarget</a:t>
+            </a:r>
+            <a:r>
+              <a:rPr kumimoji="1" lang="ja-JP" altLang="en-US" dirty="0"/>
+              <a:t>は</a:t>
+            </a:r>
+            <a:r>
+              <a:rPr kumimoji="1" lang="en-US" altLang="ja-JP" dirty="0" err="1"/>
+              <a:t>EventTarget</a:t>
+            </a:r>
+            <a:r>
+              <a:rPr kumimoji="1" lang="ja-JP" altLang="en-US" dirty="0"/>
+              <a:t>型のため</a:t>
+            </a:r>
+            <a:endParaRPr kumimoji="1" lang="en-US" altLang="ja-JP" dirty="0"/>
+          </a:p>
+          <a:p>
+            <a:r>
+              <a:rPr lang="ja-JP" altLang="en-US" dirty="0"/>
+              <a:t>　　</a:t>
+            </a:r>
+            <a:r>
+              <a:rPr kumimoji="1" lang="en-US" altLang="ja-JP" dirty="0" err="1"/>
+              <a:t>classList</a:t>
+            </a:r>
+            <a:r>
+              <a:rPr kumimoji="1" lang="ja-JP" altLang="en-US" dirty="0"/>
+              <a:t>を持ってない（あたりまえ）</a:t>
+            </a:r>
+            <a:endParaRPr kumimoji="1" lang="en-US" altLang="ja-JP" dirty="0"/>
+          </a:p>
+          <a:p>
+            <a:endParaRPr lang="en-US" altLang="ja-JP" dirty="0"/>
+          </a:p>
+          <a:p>
+            <a:r>
+              <a:rPr kumimoji="1" lang="ja-JP" altLang="en-US" dirty="0"/>
+              <a:t>３．</a:t>
+            </a:r>
+            <a:r>
+              <a:rPr kumimoji="1" lang="en-US" altLang="ja-JP" dirty="0"/>
+              <a:t>DOM</a:t>
+            </a:r>
+            <a:r>
+              <a:rPr kumimoji="1" lang="ja-JP" altLang="en-US" dirty="0"/>
+              <a:t>の</a:t>
+            </a:r>
+            <a:r>
+              <a:rPr kumimoji="1" lang="en-US" altLang="ja-JP" dirty="0"/>
+              <a:t>Element</a:t>
+            </a:r>
+            <a:r>
+              <a:rPr kumimoji="1" lang="ja-JP" altLang="en-US" dirty="0"/>
+              <a:t>には派生形がたくさんある</a:t>
+            </a:r>
+            <a:endParaRPr kumimoji="1" lang="en-US" altLang="ja-JP" dirty="0"/>
+          </a:p>
+          <a:p>
+            <a:r>
+              <a:rPr lang="ja-JP" altLang="en-US" dirty="0"/>
+              <a:t>　　</a:t>
+            </a:r>
+            <a:r>
+              <a:rPr lang="en-US" altLang="ja-JP" dirty="0" err="1"/>
+              <a:t>eDown</a:t>
+            </a:r>
+            <a:r>
+              <a:rPr lang="en-US" altLang="ja-JP" dirty="0"/>
+              <a:t>, </a:t>
+            </a:r>
+            <a:r>
+              <a:rPr lang="en-US" altLang="ja-JP" dirty="0" err="1"/>
+              <a:t>eUp</a:t>
+            </a:r>
+            <a:r>
+              <a:rPr lang="ja-JP" altLang="en-US" dirty="0"/>
+              <a:t>を</a:t>
+            </a:r>
+            <a:r>
+              <a:rPr lang="en-US" altLang="ja-JP" dirty="0"/>
+              <a:t>Event</a:t>
+            </a:r>
+            <a:r>
+              <a:rPr lang="ja-JP" altLang="en-US" dirty="0"/>
+              <a:t>型で受け取っても</a:t>
+            </a:r>
+            <a:endParaRPr lang="en-US" altLang="ja-JP" dirty="0"/>
+          </a:p>
+          <a:p>
+            <a:r>
+              <a:rPr lang="ja-JP" altLang="en-US" dirty="0"/>
+              <a:t>　　</a:t>
+            </a:r>
+            <a:r>
+              <a:rPr lang="en-US" altLang="ja-JP" dirty="0" err="1"/>
+              <a:t>clientX</a:t>
+            </a:r>
+            <a:r>
+              <a:rPr lang="ja-JP" altLang="en-US" dirty="0"/>
+              <a:t>、</a:t>
+            </a:r>
+            <a:r>
+              <a:rPr lang="en-US" altLang="ja-JP" dirty="0" err="1"/>
+              <a:t>clientY</a:t>
+            </a:r>
+            <a:r>
+              <a:rPr lang="ja-JP" altLang="en-US" dirty="0"/>
+              <a:t>は存在しない（正しくは</a:t>
+            </a:r>
+            <a:r>
+              <a:rPr lang="en-US" altLang="ja-JP" dirty="0" err="1"/>
+              <a:t>MouseEvent</a:t>
+            </a:r>
+            <a:r>
+              <a:rPr lang="ja-JP" altLang="en-US" dirty="0"/>
+              <a:t>）</a:t>
+            </a:r>
+            <a:endParaRPr kumimoji="1" lang="ja-JP" altLang="en-US" dirty="0"/>
+          </a:p>
+        </p:txBody>
+      </p:sp>
+    </p:spTree>
+    <p:extLst>
+      <p:ext uri="{BB962C8B-B14F-4D97-AF65-F5344CB8AC3E}">
+        <p14:creationId xmlns:p14="http://schemas.microsoft.com/office/powerpoint/2010/main" val="4241187022"/>
+      </p:ext>
+    </p:extLst>
+  </p:cSld>
+  <p:clrMapOvr>
+    <a:masterClrMapping/>
+  </p:clrMapOvr>
+</p:sld>
+</file>
+
+<file path=ppt/slides/slide14.xml><?xml version="1.0" encoding="utf-8"?>
+<p:sld xmlns:a="http://schemas.openxmlformats.org/drawingml/2006/main" xmlns:r="http://schemas.openxmlformats.org/officeDocument/2006/relationships" xmlns:p="http://schemas.openxmlformats.org/presentationml/2006/main">
+  <p:cSld>
+    <p:spTree>
+      <p:nvGrpSpPr>
+        <p:cNvPr id="1" name=""/>
+        <p:cNvGrpSpPr/>
+        <p:nvPr/>
+      </p:nvGrpSpPr>
+      <p:grpSpPr>
+        <a:xfrm>
+          <a:off x="0" y="0"/>
+          <a:ext cx="0" cy="0"/>
+          <a:chOff x="0" y="0"/>
+          <a:chExt cx="0" cy="0"/>
+        </a:xfrm>
+      </p:grpSpPr>
+      <p:sp>
+        <p:nvSpPr>
+          <p:cNvPr id="2" name="Title 1">
+            <a:extLst>
+              <a:ext uri="{FF2B5EF4-FFF2-40B4-BE49-F238E27FC236}">
+                <a16:creationId xmlns:a16="http://schemas.microsoft.com/office/drawing/2014/main" id="{6D4FC98A-AC8C-0662-333C-C2A9C71A026E}"/>
+              </a:ext>
+            </a:extLst>
+          </p:cNvPr>
+          <p:cNvSpPr>
+            <a:spLocks noGrp="1"/>
+          </p:cNvSpPr>
+          <p:nvPr>
+            <p:ph type="title"/>
+          </p:nvPr>
+        </p:nvSpPr>
+        <p:spPr/>
+        <p:txBody>
+          <a:bodyPr/>
+          <a:lstStyle/>
+          <a:p>
+            <a:endParaRPr kumimoji="1" lang="ja-JP" altLang="en-US"/>
+          </a:p>
+        </p:txBody>
+      </p:sp>
+      <p:sp>
+        <p:nvSpPr>
+          <p:cNvPr id="3" name="Content Placeholder 2">
+            <a:extLst>
+              <a:ext uri="{FF2B5EF4-FFF2-40B4-BE49-F238E27FC236}">
+                <a16:creationId xmlns:a16="http://schemas.microsoft.com/office/drawing/2014/main" id="{6C971335-90D6-94C3-D405-CFD53DF36A2C}"/>
+              </a:ext>
+            </a:extLst>
+          </p:cNvPr>
+          <p:cNvSpPr>
+            <a:spLocks noGrp="1"/>
+          </p:cNvSpPr>
+          <p:nvPr>
+            <p:ph idx="1"/>
+          </p:nvPr>
+        </p:nvSpPr>
+        <p:spPr/>
+        <p:txBody>
+          <a:bodyPr/>
+          <a:lstStyle/>
+          <a:p>
+            <a:r>
+              <a:rPr lang="ja-JP" altLang="en-US" dirty="0"/>
+              <a:t>直した版</a:t>
+            </a:r>
+            <a:endParaRPr kumimoji="1" lang="ja-JP" altLang="en-US" dirty="0"/>
+          </a:p>
+        </p:txBody>
+      </p:sp>
+      <p:pic>
+        <p:nvPicPr>
+          <p:cNvPr id="5" name="Picture 4">
+            <a:extLst>
+              <a:ext uri="{FF2B5EF4-FFF2-40B4-BE49-F238E27FC236}">
+                <a16:creationId xmlns:a16="http://schemas.microsoft.com/office/drawing/2014/main" id="{6E85E9CF-EAC6-2D5B-D709-55785BDB9DC1}"/>
+              </a:ext>
+            </a:extLst>
+          </p:cNvPr>
+          <p:cNvPicPr>
+            <a:picLocks noChangeAspect="1"/>
+          </p:cNvPicPr>
+          <p:nvPr/>
+        </p:nvPicPr>
+        <p:blipFill>
+          <a:blip r:embed="rId2"/>
+          <a:stretch>
+            <a:fillRect/>
+          </a:stretch>
+        </p:blipFill>
+        <p:spPr>
+          <a:xfrm>
+            <a:off x="4924338" y="1691964"/>
+            <a:ext cx="6563564" cy="4800911"/>
+          </a:xfrm>
+          <a:prstGeom prst="rect">
+            <a:avLst/>
+          </a:prstGeom>
+        </p:spPr>
+      </p:pic>
+    </p:spTree>
+    <p:extLst>
+      <p:ext uri="{BB962C8B-B14F-4D97-AF65-F5344CB8AC3E}">
+        <p14:creationId xmlns:p14="http://schemas.microsoft.com/office/powerpoint/2010/main" val="2925823592"/>
+      </p:ext>
+    </p:extLst>
+  </p:cSld>
+  <p:clrMapOvr>
+    <a:masterClrMapping/>
+  </p:clrMapOvr>
+</p:sld>
+</file>
+
 <file path=ppt/slides/slide2.xml><?xml version="1.0" encoding="utf-8"?>
 <p:sld xmlns:a="http://schemas.openxmlformats.org/drawingml/2006/main" xmlns:r="http://schemas.openxmlformats.org/officeDocument/2006/relationships" xmlns:p="http://schemas.openxmlformats.org/presentationml/2006/main">
   <p:cSld>
@@ -4098,6 +4998,621 @@
     <p:extLst>
       <p:ext uri="{BB962C8B-B14F-4D97-AF65-F5344CB8AC3E}">
         <p14:creationId xmlns:p14="http://schemas.microsoft.com/office/powerpoint/2010/main" val="3618327219"/>
+      </p:ext>
+    </p:extLst>
+  </p:cSld>
+  <p:clrMapOvr>
+    <a:masterClrMapping/>
+  </p:clrMapOvr>
+</p:sld>
+</file>
+
+<file path=ppt/slides/slide6.xml><?xml version="1.0" encoding="utf-8"?>
+<p:sld xmlns:a="http://schemas.openxmlformats.org/drawingml/2006/main" xmlns:r="http://schemas.openxmlformats.org/officeDocument/2006/relationships" xmlns:p="http://schemas.openxmlformats.org/presentationml/2006/main">
+  <p:cSld>
+    <p:spTree>
+      <p:nvGrpSpPr>
+        <p:cNvPr id="1" name=""/>
+        <p:cNvGrpSpPr/>
+        <p:nvPr/>
+      </p:nvGrpSpPr>
+      <p:grpSpPr>
+        <a:xfrm>
+          <a:off x="0" y="0"/>
+          <a:ext cx="0" cy="0"/>
+          <a:chOff x="0" y="0"/>
+          <a:chExt cx="0" cy="0"/>
+        </a:xfrm>
+      </p:grpSpPr>
+      <p:sp>
+        <p:nvSpPr>
+          <p:cNvPr id="2" name="Title 1">
+            <a:extLst>
+              <a:ext uri="{FF2B5EF4-FFF2-40B4-BE49-F238E27FC236}">
+                <a16:creationId xmlns:a16="http://schemas.microsoft.com/office/drawing/2014/main" id="{1C4FFE17-8508-30FA-D040-E5E577550CC8}"/>
+              </a:ext>
+            </a:extLst>
+          </p:cNvPr>
+          <p:cNvSpPr>
+            <a:spLocks noGrp="1"/>
+          </p:cNvSpPr>
+          <p:nvPr>
+            <p:ph type="title"/>
+          </p:nvPr>
+        </p:nvSpPr>
+        <p:spPr/>
+        <p:txBody>
+          <a:bodyPr/>
+          <a:lstStyle/>
+          <a:p>
+            <a:r>
+              <a:rPr kumimoji="1" lang="en-US" altLang="ja-JP" dirty="0"/>
+              <a:t>Item53: Prefer ECMAScript Features to TypeScript Features</a:t>
+            </a:r>
+            <a:endParaRPr kumimoji="1" lang="ja-JP" altLang="en-US" dirty="0"/>
+          </a:p>
+        </p:txBody>
+      </p:sp>
+      <p:sp>
+        <p:nvSpPr>
+          <p:cNvPr id="3" name="Content Placeholder 2">
+            <a:extLst>
+              <a:ext uri="{FF2B5EF4-FFF2-40B4-BE49-F238E27FC236}">
+                <a16:creationId xmlns:a16="http://schemas.microsoft.com/office/drawing/2014/main" id="{4FF9CCFF-E5C8-F8F1-0518-8E9D9C5A62E0}"/>
+              </a:ext>
+            </a:extLst>
+          </p:cNvPr>
+          <p:cNvSpPr>
+            <a:spLocks noGrp="1"/>
+          </p:cNvSpPr>
+          <p:nvPr>
+            <p:ph idx="1"/>
+          </p:nvPr>
+        </p:nvSpPr>
+        <p:spPr/>
+        <p:txBody>
+          <a:bodyPr/>
+          <a:lstStyle/>
+          <a:p>
+            <a:r>
+              <a:rPr kumimoji="1" lang="en-US" altLang="ja-JP" dirty="0"/>
+              <a:t>Typescript</a:t>
+            </a:r>
+            <a:r>
+              <a:rPr lang="ja-JP" altLang="en-US" dirty="0"/>
+              <a:t>と</a:t>
+            </a:r>
+            <a:r>
+              <a:rPr lang="en-US" altLang="ja-JP" dirty="0" err="1"/>
+              <a:t>Javascript</a:t>
+            </a:r>
+            <a:r>
+              <a:rPr lang="ja-JP" altLang="en-US" dirty="0"/>
+              <a:t>の仕様が異なるよという話</a:t>
+            </a:r>
+            <a:endParaRPr kumimoji="1" lang="ja-JP" altLang="en-US" dirty="0"/>
+          </a:p>
+        </p:txBody>
+      </p:sp>
+      <p:pic>
+        <p:nvPicPr>
+          <p:cNvPr id="7" name="Picture 6">
+            <a:extLst>
+              <a:ext uri="{FF2B5EF4-FFF2-40B4-BE49-F238E27FC236}">
+                <a16:creationId xmlns:a16="http://schemas.microsoft.com/office/drawing/2014/main" id="{C82A48C0-F853-F284-5849-FA9487141246}"/>
+              </a:ext>
+            </a:extLst>
+          </p:cNvPr>
+          <p:cNvPicPr>
+            <a:picLocks noChangeAspect="1"/>
+          </p:cNvPicPr>
+          <p:nvPr/>
+        </p:nvPicPr>
+        <p:blipFill>
+          <a:blip r:embed="rId2"/>
+          <a:stretch>
+            <a:fillRect/>
+          </a:stretch>
+        </p:blipFill>
+        <p:spPr>
+          <a:xfrm>
+            <a:off x="4001549" y="2364321"/>
+            <a:ext cx="5203164" cy="4217214"/>
+          </a:xfrm>
+          <a:prstGeom prst="rect">
+            <a:avLst/>
+          </a:prstGeom>
+        </p:spPr>
+      </p:pic>
+      <p:sp>
+        <p:nvSpPr>
+          <p:cNvPr id="8" name="TextBox 7">
+            <a:extLst>
+              <a:ext uri="{FF2B5EF4-FFF2-40B4-BE49-F238E27FC236}">
+                <a16:creationId xmlns:a16="http://schemas.microsoft.com/office/drawing/2014/main" id="{228DC7DF-C3F6-81A8-721A-23209AFC03D6}"/>
+              </a:ext>
+            </a:extLst>
+          </p:cNvPr>
+          <p:cNvSpPr txBox="1"/>
+          <p:nvPr/>
+        </p:nvSpPr>
+        <p:spPr>
+          <a:xfrm>
+            <a:off x="2358749" y="2952925"/>
+            <a:ext cx="1257075" cy="369332"/>
+          </a:xfrm>
+          <a:prstGeom prst="rect">
+            <a:avLst/>
+          </a:prstGeom>
+          <a:noFill/>
+        </p:spPr>
+        <p:txBody>
+          <a:bodyPr wrap="none" rtlCol="0">
+            <a:spAutoFit/>
+          </a:bodyPr>
+          <a:lstStyle/>
+          <a:p>
+            <a:r>
+              <a:rPr kumimoji="1" lang="en-US" altLang="ja-JP" dirty="0"/>
+              <a:t>Enum</a:t>
+            </a:r>
+            <a:r>
+              <a:rPr kumimoji="1" lang="ja-JP" altLang="en-US" dirty="0"/>
+              <a:t>の例</a:t>
+            </a:r>
+          </a:p>
+        </p:txBody>
+      </p:sp>
+    </p:spTree>
+    <p:extLst>
+      <p:ext uri="{BB962C8B-B14F-4D97-AF65-F5344CB8AC3E}">
+        <p14:creationId xmlns:p14="http://schemas.microsoft.com/office/powerpoint/2010/main" val="2774953495"/>
+      </p:ext>
+    </p:extLst>
+  </p:cSld>
+  <p:clrMapOvr>
+    <a:masterClrMapping/>
+  </p:clrMapOvr>
+</p:sld>
+</file>
+
+<file path=ppt/slides/slide7.xml><?xml version="1.0" encoding="utf-8"?>
+<p:sld xmlns:a="http://schemas.openxmlformats.org/drawingml/2006/main" xmlns:r="http://schemas.openxmlformats.org/officeDocument/2006/relationships" xmlns:p="http://schemas.openxmlformats.org/presentationml/2006/main">
+  <p:cSld>
+    <p:spTree>
+      <p:nvGrpSpPr>
+        <p:cNvPr id="1" name=""/>
+        <p:cNvGrpSpPr/>
+        <p:nvPr/>
+      </p:nvGrpSpPr>
+      <p:grpSpPr>
+        <a:xfrm>
+          <a:off x="0" y="0"/>
+          <a:ext cx="0" cy="0"/>
+          <a:chOff x="0" y="0"/>
+          <a:chExt cx="0" cy="0"/>
+        </a:xfrm>
+      </p:grpSpPr>
+      <p:sp>
+        <p:nvSpPr>
+          <p:cNvPr id="2" name="Title 1">
+            <a:extLst>
+              <a:ext uri="{FF2B5EF4-FFF2-40B4-BE49-F238E27FC236}">
+                <a16:creationId xmlns:a16="http://schemas.microsoft.com/office/drawing/2014/main" id="{28B949FF-CA7D-BEBD-B64F-977AF668166A}"/>
+              </a:ext>
+            </a:extLst>
+          </p:cNvPr>
+          <p:cNvSpPr>
+            <a:spLocks noGrp="1"/>
+          </p:cNvSpPr>
+          <p:nvPr>
+            <p:ph type="title"/>
+          </p:nvPr>
+        </p:nvSpPr>
+        <p:spPr/>
+        <p:txBody>
+          <a:bodyPr/>
+          <a:lstStyle/>
+          <a:p>
+            <a:endParaRPr kumimoji="1" lang="ja-JP" altLang="en-US"/>
+          </a:p>
+        </p:txBody>
+      </p:sp>
+      <p:sp>
+        <p:nvSpPr>
+          <p:cNvPr id="3" name="Content Placeholder 2">
+            <a:extLst>
+              <a:ext uri="{FF2B5EF4-FFF2-40B4-BE49-F238E27FC236}">
+                <a16:creationId xmlns:a16="http://schemas.microsoft.com/office/drawing/2014/main" id="{97C4DA08-713A-3551-BF4A-B1404907CB06}"/>
+              </a:ext>
+            </a:extLst>
+          </p:cNvPr>
+          <p:cNvSpPr>
+            <a:spLocks noGrp="1"/>
+          </p:cNvSpPr>
+          <p:nvPr>
+            <p:ph idx="1"/>
+          </p:nvPr>
+        </p:nvSpPr>
+        <p:spPr/>
+        <p:txBody>
+          <a:bodyPr/>
+          <a:lstStyle/>
+          <a:p>
+            <a:r>
+              <a:rPr kumimoji="1" lang="en-US" altLang="ja-JP" dirty="0"/>
+              <a:t>Parameter</a:t>
+            </a:r>
+            <a:r>
+              <a:rPr kumimoji="1" lang="ja-JP" altLang="en-US" dirty="0"/>
+              <a:t> </a:t>
+            </a:r>
+            <a:r>
+              <a:rPr kumimoji="1" lang="en-US" altLang="ja-JP" dirty="0"/>
+              <a:t>Property</a:t>
+            </a:r>
+            <a:endParaRPr kumimoji="1" lang="ja-JP" altLang="en-US" dirty="0"/>
+          </a:p>
+        </p:txBody>
+      </p:sp>
+      <p:pic>
+        <p:nvPicPr>
+          <p:cNvPr id="7" name="Picture 6">
+            <a:extLst>
+              <a:ext uri="{FF2B5EF4-FFF2-40B4-BE49-F238E27FC236}">
+                <a16:creationId xmlns:a16="http://schemas.microsoft.com/office/drawing/2014/main" id="{519BD871-5591-6A32-69AF-DE3E20B1E29C}"/>
+              </a:ext>
+            </a:extLst>
+          </p:cNvPr>
+          <p:cNvPicPr>
+            <a:picLocks noChangeAspect="1"/>
+          </p:cNvPicPr>
+          <p:nvPr/>
+        </p:nvPicPr>
+        <p:blipFill>
+          <a:blip r:embed="rId2"/>
+          <a:stretch>
+            <a:fillRect/>
+          </a:stretch>
+        </p:blipFill>
+        <p:spPr>
+          <a:xfrm>
+            <a:off x="3154260" y="2242825"/>
+            <a:ext cx="8541177" cy="4495840"/>
+          </a:xfrm>
+          <a:prstGeom prst="rect">
+            <a:avLst/>
+          </a:prstGeom>
+        </p:spPr>
+      </p:pic>
+    </p:spTree>
+    <p:extLst>
+      <p:ext uri="{BB962C8B-B14F-4D97-AF65-F5344CB8AC3E}">
+        <p14:creationId xmlns:p14="http://schemas.microsoft.com/office/powerpoint/2010/main" val="934715307"/>
+      </p:ext>
+    </p:extLst>
+  </p:cSld>
+  <p:clrMapOvr>
+    <a:masterClrMapping/>
+  </p:clrMapOvr>
+</p:sld>
+</file>
+
+<file path=ppt/slides/slide8.xml><?xml version="1.0" encoding="utf-8"?>
+<p:sld xmlns:a="http://schemas.openxmlformats.org/drawingml/2006/main" xmlns:r="http://schemas.openxmlformats.org/officeDocument/2006/relationships" xmlns:p="http://schemas.openxmlformats.org/presentationml/2006/main">
+  <p:cSld>
+    <p:spTree>
+      <p:nvGrpSpPr>
+        <p:cNvPr id="1" name=""/>
+        <p:cNvGrpSpPr/>
+        <p:nvPr/>
+      </p:nvGrpSpPr>
+      <p:grpSpPr>
+        <a:xfrm>
+          <a:off x="0" y="0"/>
+          <a:ext cx="0" cy="0"/>
+          <a:chOff x="0" y="0"/>
+          <a:chExt cx="0" cy="0"/>
+        </a:xfrm>
+      </p:grpSpPr>
+      <p:sp>
+        <p:nvSpPr>
+          <p:cNvPr id="2" name="Title 1">
+            <a:extLst>
+              <a:ext uri="{FF2B5EF4-FFF2-40B4-BE49-F238E27FC236}">
+                <a16:creationId xmlns:a16="http://schemas.microsoft.com/office/drawing/2014/main" id="{9031D951-3420-715F-E3C8-8E603CCAFB85}"/>
+              </a:ext>
+            </a:extLst>
+          </p:cNvPr>
+          <p:cNvSpPr>
+            <a:spLocks noGrp="1"/>
+          </p:cNvSpPr>
+          <p:nvPr>
+            <p:ph type="title"/>
+          </p:nvPr>
+        </p:nvSpPr>
+        <p:spPr/>
+        <p:txBody>
+          <a:bodyPr/>
+          <a:lstStyle/>
+          <a:p>
+            <a:endParaRPr kumimoji="1" lang="ja-JP" altLang="en-US"/>
+          </a:p>
+        </p:txBody>
+      </p:sp>
+      <p:sp>
+        <p:nvSpPr>
+          <p:cNvPr id="3" name="Content Placeholder 2">
+            <a:extLst>
+              <a:ext uri="{FF2B5EF4-FFF2-40B4-BE49-F238E27FC236}">
+                <a16:creationId xmlns:a16="http://schemas.microsoft.com/office/drawing/2014/main" id="{B128A41F-0232-4C13-2130-D2D243C7E1E7}"/>
+              </a:ext>
+            </a:extLst>
+          </p:cNvPr>
+          <p:cNvSpPr>
+            <a:spLocks noGrp="1"/>
+          </p:cNvSpPr>
+          <p:nvPr>
+            <p:ph idx="1"/>
+          </p:nvPr>
+        </p:nvSpPr>
+        <p:spPr/>
+        <p:txBody>
+          <a:bodyPr/>
+          <a:lstStyle/>
+          <a:p>
+            <a:r>
+              <a:rPr kumimoji="1" lang="en-US" altLang="ja-JP" dirty="0"/>
+              <a:t>Triple</a:t>
+            </a:r>
+            <a:r>
+              <a:rPr kumimoji="1" lang="ja-JP" altLang="en-US" dirty="0"/>
+              <a:t> </a:t>
+            </a:r>
+            <a:r>
+              <a:rPr kumimoji="1" lang="en-US" altLang="ja-JP" dirty="0"/>
+              <a:t>Slash</a:t>
+            </a:r>
+            <a:r>
+              <a:rPr kumimoji="1" lang="ja-JP" altLang="en-US" dirty="0"/>
+              <a:t> </a:t>
+            </a:r>
+            <a:r>
+              <a:rPr kumimoji="1" lang="en-US" altLang="ja-JP" dirty="0"/>
+              <a:t>Import</a:t>
+            </a:r>
+          </a:p>
+          <a:p>
+            <a:endParaRPr lang="en-US" altLang="ja-JP" dirty="0"/>
+          </a:p>
+          <a:p>
+            <a:pPr marL="0" indent="0">
+              <a:buNone/>
+            </a:pPr>
+            <a:endParaRPr lang="en-US" altLang="ja-JP" dirty="0"/>
+          </a:p>
+          <a:p>
+            <a:r>
+              <a:rPr kumimoji="1" lang="en-US" altLang="ja-JP" dirty="0"/>
+              <a:t>Decorator</a:t>
+            </a:r>
+            <a:endParaRPr kumimoji="1" lang="ja-JP" altLang="en-US" dirty="0"/>
+          </a:p>
+        </p:txBody>
+      </p:sp>
+      <p:pic>
+        <p:nvPicPr>
+          <p:cNvPr id="7" name="Picture 6">
+            <a:extLst>
+              <a:ext uri="{FF2B5EF4-FFF2-40B4-BE49-F238E27FC236}">
+                <a16:creationId xmlns:a16="http://schemas.microsoft.com/office/drawing/2014/main" id="{E8EEAA71-9891-320D-818D-B826792FD49C}"/>
+              </a:ext>
+            </a:extLst>
+          </p:cNvPr>
+          <p:cNvPicPr>
+            <a:picLocks noChangeAspect="1"/>
+          </p:cNvPicPr>
+          <p:nvPr/>
+        </p:nvPicPr>
+        <p:blipFill>
+          <a:blip r:embed="rId2"/>
+          <a:stretch>
+            <a:fillRect/>
+          </a:stretch>
+        </p:blipFill>
+        <p:spPr>
+          <a:xfrm>
+            <a:off x="2937803" y="2390085"/>
+            <a:ext cx="5901924" cy="1038915"/>
+          </a:xfrm>
+          <a:prstGeom prst="rect">
+            <a:avLst/>
+          </a:prstGeom>
+        </p:spPr>
+      </p:pic>
+      <p:pic>
+        <p:nvPicPr>
+          <p:cNvPr id="9" name="Picture 8">
+            <a:extLst>
+              <a:ext uri="{FF2B5EF4-FFF2-40B4-BE49-F238E27FC236}">
+                <a16:creationId xmlns:a16="http://schemas.microsoft.com/office/drawing/2014/main" id="{CAFFBDAC-CDF7-611B-91C0-56ECE7152875}"/>
+              </a:ext>
+            </a:extLst>
+          </p:cNvPr>
+          <p:cNvPicPr>
+            <a:picLocks noChangeAspect="1"/>
+          </p:cNvPicPr>
+          <p:nvPr/>
+        </p:nvPicPr>
+        <p:blipFill>
+          <a:blip r:embed="rId3"/>
+          <a:stretch>
+            <a:fillRect/>
+          </a:stretch>
+        </p:blipFill>
+        <p:spPr>
+          <a:xfrm>
+            <a:off x="2937803" y="3809575"/>
+            <a:ext cx="5677692" cy="3048425"/>
+          </a:xfrm>
+          <a:prstGeom prst="rect">
+            <a:avLst/>
+          </a:prstGeom>
+        </p:spPr>
+      </p:pic>
+    </p:spTree>
+    <p:extLst>
+      <p:ext uri="{BB962C8B-B14F-4D97-AF65-F5344CB8AC3E}">
+        <p14:creationId xmlns:p14="http://schemas.microsoft.com/office/powerpoint/2010/main" val="2256079944"/>
+      </p:ext>
+    </p:extLst>
+  </p:cSld>
+  <p:clrMapOvr>
+    <a:masterClrMapping/>
+  </p:clrMapOvr>
+</p:sld>
+</file>
+
+<file path=ppt/slides/slide9.xml><?xml version="1.0" encoding="utf-8"?>
+<p:sld xmlns:a="http://schemas.openxmlformats.org/drawingml/2006/main" xmlns:r="http://schemas.openxmlformats.org/officeDocument/2006/relationships" xmlns:p="http://schemas.openxmlformats.org/presentationml/2006/main">
+  <p:cSld>
+    <p:spTree>
+      <p:nvGrpSpPr>
+        <p:cNvPr id="1" name=""/>
+        <p:cNvGrpSpPr/>
+        <p:nvPr/>
+      </p:nvGrpSpPr>
+      <p:grpSpPr>
+        <a:xfrm>
+          <a:off x="0" y="0"/>
+          <a:ext cx="0" cy="0"/>
+          <a:chOff x="0" y="0"/>
+          <a:chExt cx="0" cy="0"/>
+        </a:xfrm>
+      </p:grpSpPr>
+      <p:sp>
+        <p:nvSpPr>
+          <p:cNvPr id="2" name="Title 1">
+            <a:extLst>
+              <a:ext uri="{FF2B5EF4-FFF2-40B4-BE49-F238E27FC236}">
+                <a16:creationId xmlns:a16="http://schemas.microsoft.com/office/drawing/2014/main" id="{D51994AF-8EAC-23AA-90C1-E2580B849C72}"/>
+              </a:ext>
+            </a:extLst>
+          </p:cNvPr>
+          <p:cNvSpPr>
+            <a:spLocks noGrp="1"/>
+          </p:cNvSpPr>
+          <p:nvPr>
+            <p:ph type="title"/>
+          </p:nvPr>
+        </p:nvSpPr>
+        <p:spPr/>
+        <p:txBody>
+          <a:bodyPr/>
+          <a:lstStyle/>
+          <a:p>
+            <a:r>
+              <a:rPr kumimoji="1" lang="en-US" altLang="ja-JP" dirty="0"/>
+              <a:t>Item54: Know How to Iterate Over Objects</a:t>
+            </a:r>
+            <a:endParaRPr kumimoji="1" lang="ja-JP" altLang="en-US" dirty="0"/>
+          </a:p>
+        </p:txBody>
+      </p:sp>
+      <p:sp>
+        <p:nvSpPr>
+          <p:cNvPr id="3" name="Content Placeholder 2">
+            <a:extLst>
+              <a:ext uri="{FF2B5EF4-FFF2-40B4-BE49-F238E27FC236}">
+                <a16:creationId xmlns:a16="http://schemas.microsoft.com/office/drawing/2014/main" id="{87316F77-8E2D-428C-78BF-317B7B5D00A0}"/>
+              </a:ext>
+            </a:extLst>
+          </p:cNvPr>
+          <p:cNvSpPr>
+            <a:spLocks noGrp="1"/>
+          </p:cNvSpPr>
+          <p:nvPr>
+            <p:ph idx="1"/>
+          </p:nvPr>
+        </p:nvSpPr>
+        <p:spPr/>
+        <p:txBody>
+          <a:bodyPr/>
+          <a:lstStyle/>
+          <a:p>
+            <a:r>
+              <a:rPr kumimoji="1" lang="en-US" altLang="ja-JP" dirty="0"/>
+              <a:t>object</a:t>
+            </a:r>
+            <a:r>
+              <a:rPr kumimoji="1" lang="ja-JP" altLang="en-US" dirty="0"/>
+              <a:t>を繰り返し処理する際のいろいろ</a:t>
+            </a:r>
+            <a:endParaRPr kumimoji="1" lang="en-US" altLang="ja-JP" dirty="0"/>
+          </a:p>
+          <a:p>
+            <a:pPr lvl="1"/>
+            <a:r>
+              <a:rPr kumimoji="1" lang="en-US" altLang="ja-JP" dirty="0"/>
+              <a:t>Object</a:t>
+            </a:r>
+            <a:r>
+              <a:rPr kumimoji="1" lang="ja-JP" altLang="en-US" dirty="0"/>
+              <a:t>の</a:t>
+            </a:r>
+            <a:r>
+              <a:rPr kumimoji="1" lang="en-US" altLang="ja-JP" dirty="0"/>
+              <a:t>key</a:t>
+            </a:r>
+            <a:r>
+              <a:rPr kumimoji="1" lang="ja-JP" altLang="en-US" dirty="0"/>
+              <a:t>は</a:t>
+            </a:r>
+            <a:r>
+              <a:rPr kumimoji="1" lang="en-US" altLang="ja-JP" dirty="0"/>
+              <a:t>string</a:t>
+            </a:r>
+            <a:r>
+              <a:rPr kumimoji="1" lang="ja-JP" altLang="en-US" dirty="0"/>
+              <a:t>になっちゃう問題</a:t>
+            </a:r>
+          </a:p>
+        </p:txBody>
+      </p:sp>
+      <p:pic>
+        <p:nvPicPr>
+          <p:cNvPr id="5" name="Picture 4">
+            <a:extLst>
+              <a:ext uri="{FF2B5EF4-FFF2-40B4-BE49-F238E27FC236}">
+                <a16:creationId xmlns:a16="http://schemas.microsoft.com/office/drawing/2014/main" id="{A95E2B51-42A2-C155-8F06-B48B2C1B5984}"/>
+              </a:ext>
+            </a:extLst>
+          </p:cNvPr>
+          <p:cNvPicPr>
+            <a:picLocks noChangeAspect="1"/>
+          </p:cNvPicPr>
+          <p:nvPr/>
+        </p:nvPicPr>
+        <p:blipFill>
+          <a:blip r:embed="rId2"/>
+          <a:stretch>
+            <a:fillRect/>
+          </a:stretch>
+        </p:blipFill>
+        <p:spPr>
+          <a:xfrm>
+            <a:off x="4513277" y="2642328"/>
+            <a:ext cx="6840523" cy="4215672"/>
+          </a:xfrm>
+          <a:prstGeom prst="rect">
+            <a:avLst/>
+          </a:prstGeom>
+        </p:spPr>
+      </p:pic>
+    </p:spTree>
+    <p:extLst>
+      <p:ext uri="{BB962C8B-B14F-4D97-AF65-F5344CB8AC3E}">
+        <p14:creationId xmlns:p14="http://schemas.microsoft.com/office/powerpoint/2010/main" val="148822699"/>
       </p:ext>
     </p:extLst>
   </p:cSld>
